--- a/InstImage/day_flow.pptx
+++ b/InstImage/day_flow.pptx
@@ -246,7 +246,7 @@
           <a:p>
             <a:fld id="{DDD04BA2-3FE6-4221-8EAD-10CE0B6FD447}" type="datetimeFigureOut">
               <a:rPr kumimoji="1" lang="ja-JP" altLang="en-US" smtClean="0"/>
-              <a:t>2019/10/1</a:t>
+              <a:t>2019/10/2</a:t>
             </a:fld>
             <a:endParaRPr kumimoji="1" lang="ja-JP" altLang="en-US"/>
           </a:p>
@@ -448,7 +448,7 @@
           <a:p>
             <a:fld id="{DDD04BA2-3FE6-4221-8EAD-10CE0B6FD447}" type="datetimeFigureOut">
               <a:rPr kumimoji="1" lang="ja-JP" altLang="en-US" smtClean="0"/>
-              <a:t>2019/10/1</a:t>
+              <a:t>2019/10/2</a:t>
             </a:fld>
             <a:endParaRPr kumimoji="1" lang="ja-JP" altLang="en-US"/>
           </a:p>
@@ -660,7 +660,7 @@
           <a:p>
             <a:fld id="{DDD04BA2-3FE6-4221-8EAD-10CE0B6FD447}" type="datetimeFigureOut">
               <a:rPr kumimoji="1" lang="ja-JP" altLang="en-US" smtClean="0"/>
-              <a:t>2019/10/1</a:t>
+              <a:t>2019/10/2</a:t>
             </a:fld>
             <a:endParaRPr kumimoji="1" lang="ja-JP" altLang="en-US"/>
           </a:p>
@@ -862,7 +862,7 @@
           <a:p>
             <a:fld id="{DDD04BA2-3FE6-4221-8EAD-10CE0B6FD447}" type="datetimeFigureOut">
               <a:rPr kumimoji="1" lang="ja-JP" altLang="en-US" smtClean="0"/>
-              <a:t>2019/10/1</a:t>
+              <a:t>2019/10/2</a:t>
             </a:fld>
             <a:endParaRPr kumimoji="1" lang="ja-JP" altLang="en-US"/>
           </a:p>
@@ -1108,7 +1108,7 @@
           <a:p>
             <a:fld id="{DDD04BA2-3FE6-4221-8EAD-10CE0B6FD447}" type="datetimeFigureOut">
               <a:rPr kumimoji="1" lang="ja-JP" altLang="en-US" smtClean="0"/>
-              <a:t>2019/10/1</a:t>
+              <a:t>2019/10/2</a:t>
             </a:fld>
             <a:endParaRPr kumimoji="1" lang="ja-JP" altLang="en-US"/>
           </a:p>
@@ -1404,7 +1404,7 @@
           <a:p>
             <a:fld id="{DDD04BA2-3FE6-4221-8EAD-10CE0B6FD447}" type="datetimeFigureOut">
               <a:rPr kumimoji="1" lang="ja-JP" altLang="en-US" smtClean="0"/>
-              <a:t>2019/10/1</a:t>
+              <a:t>2019/10/2</a:t>
             </a:fld>
             <a:endParaRPr kumimoji="1" lang="ja-JP" altLang="en-US"/>
           </a:p>
@@ -1835,7 +1835,7 @@
           <a:p>
             <a:fld id="{DDD04BA2-3FE6-4221-8EAD-10CE0B6FD447}" type="datetimeFigureOut">
               <a:rPr kumimoji="1" lang="ja-JP" altLang="en-US" smtClean="0"/>
-              <a:t>2019/10/1</a:t>
+              <a:t>2019/10/2</a:t>
             </a:fld>
             <a:endParaRPr kumimoji="1" lang="ja-JP" altLang="en-US"/>
           </a:p>
@@ -1953,7 +1953,7 @@
           <a:p>
             <a:fld id="{DDD04BA2-3FE6-4221-8EAD-10CE0B6FD447}" type="datetimeFigureOut">
               <a:rPr kumimoji="1" lang="ja-JP" altLang="en-US" smtClean="0"/>
-              <a:t>2019/10/1</a:t>
+              <a:t>2019/10/2</a:t>
             </a:fld>
             <a:endParaRPr kumimoji="1" lang="ja-JP" altLang="en-US"/>
           </a:p>
@@ -2048,7 +2048,7 @@
           <a:p>
             <a:fld id="{DDD04BA2-3FE6-4221-8EAD-10CE0B6FD447}" type="datetimeFigureOut">
               <a:rPr kumimoji="1" lang="ja-JP" altLang="en-US" smtClean="0"/>
-              <a:t>2019/10/1</a:t>
+              <a:t>2019/10/2</a:t>
             </a:fld>
             <a:endParaRPr kumimoji="1" lang="ja-JP" altLang="en-US"/>
           </a:p>
@@ -2357,7 +2357,7 @@
           <a:p>
             <a:fld id="{DDD04BA2-3FE6-4221-8EAD-10CE0B6FD447}" type="datetimeFigureOut">
               <a:rPr kumimoji="1" lang="ja-JP" altLang="en-US" smtClean="0"/>
-              <a:t>2019/10/1</a:t>
+              <a:t>2019/10/2</a:t>
             </a:fld>
             <a:endParaRPr kumimoji="1" lang="ja-JP" altLang="en-US"/>
           </a:p>
@@ -2610,7 +2610,7 @@
           <a:p>
             <a:fld id="{DDD04BA2-3FE6-4221-8EAD-10CE0B6FD447}" type="datetimeFigureOut">
               <a:rPr kumimoji="1" lang="ja-JP" altLang="en-US" smtClean="0"/>
-              <a:t>2019/10/1</a:t>
+              <a:t>2019/10/2</a:t>
             </a:fld>
             <a:endParaRPr kumimoji="1" lang="ja-JP" altLang="en-US"/>
           </a:p>
@@ -2855,7 +2855,7 @@
           <a:p>
             <a:fld id="{DDD04BA2-3FE6-4221-8EAD-10CE0B6FD447}" type="datetimeFigureOut">
               <a:rPr kumimoji="1" lang="ja-JP" altLang="en-US" smtClean="0"/>
-              <a:t>2019/10/1</a:t>
+              <a:t>2019/10/2</a:t>
             </a:fld>
             <a:endParaRPr kumimoji="1" lang="ja-JP" altLang="en-US"/>
           </a:p>
@@ -3478,7 +3478,11 @@
             <a:pPr algn="ctr"/>
             <a:r>
               <a:rPr lang="ja-JP" altLang="en-US" sz="2800" dirty="0" smtClean="0"/>
-              <a:t>イメージ課題</a:t>
+              <a:t>運動イメージ</a:t>
+            </a:r>
+            <a:r>
+              <a:rPr lang="ja-JP" altLang="en-US" sz="2800" dirty="0" smtClean="0"/>
+              <a:t>課題</a:t>
             </a:r>
             <a:endParaRPr kumimoji="1" lang="ja-JP" altLang="en-US" sz="2800" dirty="0"/>
           </a:p>
@@ -3566,7 +3570,11 @@
             <a:pPr algn="ctr"/>
             <a:r>
               <a:rPr lang="ja-JP" altLang="en-US" sz="2800" dirty="0" smtClean="0"/>
-              <a:t>イメージ課題</a:t>
+              <a:t>運動イメージ</a:t>
+            </a:r>
+            <a:r>
+              <a:rPr lang="ja-JP" altLang="en-US" sz="2800" dirty="0" smtClean="0"/>
+              <a:t>課題</a:t>
             </a:r>
             <a:endParaRPr kumimoji="1" lang="ja-JP" altLang="en-US" sz="2800" dirty="0"/>
           </a:p>
@@ -3965,7 +3973,11 @@
             <a:pPr algn="ctr"/>
             <a:r>
               <a:rPr lang="ja-JP" altLang="en-US" sz="2800" dirty="0" smtClean="0"/>
-              <a:t>イメージ課題</a:t>
+              <a:t>運動イメージ</a:t>
+            </a:r>
+            <a:r>
+              <a:rPr lang="ja-JP" altLang="en-US" sz="2800" dirty="0" smtClean="0"/>
+              <a:t>課題</a:t>
             </a:r>
             <a:endParaRPr kumimoji="1" lang="ja-JP" altLang="en-US" sz="2800" dirty="0"/>
           </a:p>
@@ -4053,7 +4065,11 @@
             <a:pPr algn="ctr"/>
             <a:r>
               <a:rPr lang="ja-JP" altLang="en-US" sz="2800" dirty="0" smtClean="0"/>
-              <a:t>イメージ課題</a:t>
+              <a:t>運動イメージ</a:t>
+            </a:r>
+            <a:r>
+              <a:rPr lang="ja-JP" altLang="en-US" sz="2800" dirty="0" smtClean="0"/>
+              <a:t>課題</a:t>
             </a:r>
             <a:endParaRPr kumimoji="1" lang="ja-JP" altLang="en-US" sz="2800" dirty="0"/>
           </a:p>
@@ -4290,7 +4306,11 @@
             <a:pPr algn="ctr"/>
             <a:r>
               <a:rPr lang="ja-JP" altLang="en-US" sz="2800" dirty="0" smtClean="0"/>
-              <a:t>イメージ課題</a:t>
+              <a:t>運動イメージ</a:t>
+            </a:r>
+            <a:r>
+              <a:rPr lang="ja-JP" altLang="en-US" sz="2800" dirty="0" smtClean="0"/>
+              <a:t>課題</a:t>
             </a:r>
             <a:endParaRPr kumimoji="1" lang="ja-JP" altLang="en-US" sz="2800" dirty="0"/>
           </a:p>
@@ -4378,7 +4398,11 @@
             <a:pPr algn="ctr"/>
             <a:r>
               <a:rPr lang="ja-JP" altLang="en-US" sz="2800" dirty="0" smtClean="0"/>
-              <a:t>イメージ課題</a:t>
+              <a:t>運動イメージ</a:t>
+            </a:r>
+            <a:r>
+              <a:rPr lang="ja-JP" altLang="en-US" sz="2800" dirty="0" smtClean="0"/>
+              <a:t>課題</a:t>
             </a:r>
             <a:endParaRPr kumimoji="1" lang="ja-JP" altLang="en-US" sz="2800" dirty="0"/>
           </a:p>

--- a/InstImage/day_flow.pptx
+++ b/InstImage/day_flow.pptx
@@ -8,7 +8,8 @@
     <p:sldId id="256" r:id="rId2"/>
     <p:sldId id="257" r:id="rId3"/>
     <p:sldId id="258" r:id="rId4"/>
-    <p:sldId id="259" r:id="rId5"/>
+    <p:sldId id="260" r:id="rId5"/>
+    <p:sldId id="259" r:id="rId6"/>
   </p:sldIdLst>
   <p:sldSz cx="12192000" cy="6858000"/>
   <p:notesSz cx="6858000" cy="9144000"/>
@@ -3478,11 +3479,7 @@
             <a:pPr algn="ctr"/>
             <a:r>
               <a:rPr lang="ja-JP" altLang="en-US" sz="2800" dirty="0" smtClean="0"/>
-              <a:t>運動イメージ</a:t>
-            </a:r>
-            <a:r>
-              <a:rPr lang="ja-JP" altLang="en-US" sz="2800" dirty="0" smtClean="0"/>
-              <a:t>課題</a:t>
+              <a:t>運動イメージ課題</a:t>
             </a:r>
             <a:endParaRPr kumimoji="1" lang="ja-JP" altLang="en-US" sz="2800" dirty="0"/>
           </a:p>
@@ -3570,11 +3567,7 @@
             <a:pPr algn="ctr"/>
             <a:r>
               <a:rPr lang="ja-JP" altLang="en-US" sz="2800" dirty="0" smtClean="0"/>
-              <a:t>運動イメージ</a:t>
-            </a:r>
-            <a:r>
-              <a:rPr lang="ja-JP" altLang="en-US" sz="2800" dirty="0" smtClean="0"/>
-              <a:t>課題</a:t>
+              <a:t>運動イメージ課題</a:t>
             </a:r>
             <a:endParaRPr kumimoji="1" lang="ja-JP" altLang="en-US" sz="2800" dirty="0"/>
           </a:p>
@@ -3973,11 +3966,7 @@
             <a:pPr algn="ctr"/>
             <a:r>
               <a:rPr lang="ja-JP" altLang="en-US" sz="2800" dirty="0" smtClean="0"/>
-              <a:t>運動イメージ</a:t>
-            </a:r>
-            <a:r>
-              <a:rPr lang="ja-JP" altLang="en-US" sz="2800" dirty="0" smtClean="0"/>
-              <a:t>課題</a:t>
+              <a:t>運動イメージ課題</a:t>
             </a:r>
             <a:endParaRPr kumimoji="1" lang="ja-JP" altLang="en-US" sz="2800" dirty="0"/>
           </a:p>
@@ -4065,11 +4054,7 @@
             <a:pPr algn="ctr"/>
             <a:r>
               <a:rPr lang="ja-JP" altLang="en-US" sz="2800" dirty="0" smtClean="0"/>
-              <a:t>運動イメージ</a:t>
-            </a:r>
-            <a:r>
-              <a:rPr lang="ja-JP" altLang="en-US" sz="2800" dirty="0" smtClean="0"/>
-              <a:t>課題</a:t>
+              <a:t>運動イメージ課題</a:t>
             </a:r>
             <a:endParaRPr kumimoji="1" lang="ja-JP" altLang="en-US" sz="2800" dirty="0"/>
           </a:p>
@@ -4306,11 +4291,7 @@
             <a:pPr algn="ctr"/>
             <a:r>
               <a:rPr lang="ja-JP" altLang="en-US" sz="2800" dirty="0" smtClean="0"/>
-              <a:t>運動イメージ</a:t>
-            </a:r>
-            <a:r>
-              <a:rPr lang="ja-JP" altLang="en-US" sz="2800" dirty="0" smtClean="0"/>
-              <a:t>課題</a:t>
+              <a:t>運動イメージ課題</a:t>
             </a:r>
             <a:endParaRPr kumimoji="1" lang="ja-JP" altLang="en-US" sz="2800" dirty="0"/>
           </a:p>
@@ -4398,11 +4379,7 @@
             <a:pPr algn="ctr"/>
             <a:r>
               <a:rPr lang="ja-JP" altLang="en-US" sz="2800" dirty="0" smtClean="0"/>
-              <a:t>運動イメージ</a:t>
-            </a:r>
-            <a:r>
-              <a:rPr lang="ja-JP" altLang="en-US" sz="2800" dirty="0" smtClean="0"/>
-              <a:t>課題</a:t>
+              <a:t>運動イメージ課題</a:t>
             </a:r>
             <a:endParaRPr kumimoji="1" lang="ja-JP" altLang="en-US" sz="2800" dirty="0"/>
           </a:p>
@@ -4733,6 +4710,716 @@
 </file>
 
 <file path=ppt/slides/slide4.xml><?xml version="1.0" encoding="utf-8"?>
+<p:sld xmlns:a="http://schemas.openxmlformats.org/drawingml/2006/main" xmlns:r="http://schemas.openxmlformats.org/officeDocument/2006/relationships" xmlns:p="http://schemas.openxmlformats.org/presentationml/2006/main">
+  <p:cSld>
+    <p:bg>
+      <p:bgPr>
+        <a:solidFill>
+          <a:schemeClr val="bg1">
+            <a:lumMod val="50000"/>
+          </a:schemeClr>
+        </a:solidFill>
+        <a:effectLst/>
+      </p:bgPr>
+    </p:bg>
+    <p:spTree>
+      <p:nvGrpSpPr>
+        <p:cNvPr id="1" name=""/>
+        <p:cNvGrpSpPr/>
+        <p:nvPr/>
+      </p:nvGrpSpPr>
+      <p:grpSpPr>
+        <a:xfrm>
+          <a:off x="0" y="0"/>
+          <a:ext cx="0" cy="0"/>
+          <a:chOff x="0" y="0"/>
+          <a:chExt cx="0" cy="0"/>
+        </a:xfrm>
+      </p:grpSpPr>
+      <p:sp>
+        <p:nvSpPr>
+          <p:cNvPr id="4" name="角丸四角形 3"/>
+          <p:cNvSpPr/>
+          <p:nvPr/>
+        </p:nvSpPr>
+        <p:spPr>
+          <a:xfrm>
+            <a:off x="1583728" y="1256222"/>
+            <a:ext cx="706877" cy="4001311"/>
+          </a:xfrm>
+          <a:prstGeom prst="roundRect">
+            <a:avLst/>
+          </a:prstGeom>
+        </p:spPr>
+        <p:style>
+          <a:lnRef idx="2">
+            <a:schemeClr val="accent1">
+              <a:shade val="50000"/>
+            </a:schemeClr>
+          </a:lnRef>
+          <a:fillRef idx="1">
+            <a:schemeClr val="accent1"/>
+          </a:fillRef>
+          <a:effectRef idx="0">
+            <a:schemeClr val="accent1"/>
+          </a:effectRef>
+          <a:fontRef idx="minor">
+            <a:schemeClr val="lt1"/>
+          </a:fontRef>
+        </p:style>
+        <p:txBody>
+          <a:bodyPr vert="eaVert" rtlCol="0" anchor="ctr"/>
+          <a:lstStyle/>
+          <a:p>
+            <a:pPr algn="ctr"/>
+            <a:r>
+              <a:rPr kumimoji="1" lang="ja-JP" altLang="en-US" sz="2000" dirty="0" smtClean="0"/>
+              <a:t>運動</a:t>
+            </a:r>
+            <a:r>
+              <a:rPr kumimoji="1" lang="ja-JP" altLang="en-US" sz="2000" dirty="0" smtClean="0"/>
+              <a:t>イメ</a:t>
+            </a:r>
+            <a:r>
+              <a:rPr kumimoji="1" lang="ja-JP" altLang="en-US" sz="2000" dirty="0" err="1" smtClean="0"/>
+              <a:t>ｌ</a:t>
+            </a:r>
+            <a:r>
+              <a:rPr kumimoji="1" lang="ja-JP" altLang="en-US" sz="2000" dirty="0" smtClean="0"/>
+              <a:t>ジ</a:t>
+            </a:r>
+            <a:r>
+              <a:rPr kumimoji="1" lang="ja-JP" altLang="en-US" sz="2000" dirty="0" smtClean="0"/>
+              <a:t>課題</a:t>
+            </a:r>
+            <a:endParaRPr kumimoji="1" lang="ja-JP" altLang="en-US" sz="2000" dirty="0"/>
+          </a:p>
+        </p:txBody>
+      </p:sp>
+      <p:sp>
+        <p:nvSpPr>
+          <p:cNvPr id="5" name="角丸四角形 4"/>
+          <p:cNvSpPr/>
+          <p:nvPr/>
+        </p:nvSpPr>
+        <p:spPr>
+          <a:xfrm>
+            <a:off x="10127054" y="1256221"/>
+            <a:ext cx="706877" cy="4001311"/>
+          </a:xfrm>
+          <a:prstGeom prst="roundRect">
+            <a:avLst/>
+          </a:prstGeom>
+        </p:spPr>
+        <p:style>
+          <a:lnRef idx="2">
+            <a:schemeClr val="accent1">
+              <a:shade val="50000"/>
+            </a:schemeClr>
+          </a:lnRef>
+          <a:fillRef idx="1">
+            <a:schemeClr val="accent1"/>
+          </a:fillRef>
+          <a:effectRef idx="0">
+            <a:schemeClr val="accent1"/>
+          </a:effectRef>
+          <a:fontRef idx="minor">
+            <a:schemeClr val="lt1"/>
+          </a:fontRef>
+        </p:style>
+        <p:txBody>
+          <a:bodyPr vert="eaVert" rtlCol="0" anchor="ctr"/>
+          <a:lstStyle/>
+          <a:p>
+            <a:pPr algn="ctr"/>
+            <a:r>
+              <a:rPr kumimoji="1" lang="ja-JP" altLang="en-US" sz="2000" dirty="0" smtClean="0"/>
+              <a:t>運動</a:t>
+            </a:r>
+            <a:r>
+              <a:rPr kumimoji="1" lang="ja-JP" altLang="en-US" sz="2000" dirty="0" smtClean="0"/>
+              <a:t>イメ</a:t>
+            </a:r>
+            <a:r>
+              <a:rPr kumimoji="1" lang="ja-JP" altLang="en-US" sz="2000" smtClean="0"/>
+              <a:t>ｌジ</a:t>
+            </a:r>
+            <a:r>
+              <a:rPr kumimoji="1" lang="ja-JP" altLang="en-US" sz="2000" dirty="0" smtClean="0"/>
+              <a:t>課題</a:t>
+            </a:r>
+            <a:endParaRPr kumimoji="1" lang="ja-JP" altLang="en-US" sz="2000" dirty="0"/>
+          </a:p>
+        </p:txBody>
+      </p:sp>
+      <p:sp>
+        <p:nvSpPr>
+          <p:cNvPr id="6" name="角丸四角形 5"/>
+          <p:cNvSpPr/>
+          <p:nvPr/>
+        </p:nvSpPr>
+        <p:spPr>
+          <a:xfrm>
+            <a:off x="3414756" y="1256223"/>
+            <a:ext cx="706877" cy="4001311"/>
+          </a:xfrm>
+          <a:prstGeom prst="roundRect">
+            <a:avLst/>
+          </a:prstGeom>
+        </p:spPr>
+        <p:style>
+          <a:lnRef idx="2">
+            <a:schemeClr val="accent1">
+              <a:shade val="50000"/>
+            </a:schemeClr>
+          </a:lnRef>
+          <a:fillRef idx="1">
+            <a:schemeClr val="accent1"/>
+          </a:fillRef>
+          <a:effectRef idx="0">
+            <a:schemeClr val="accent1"/>
+          </a:effectRef>
+          <a:fontRef idx="minor">
+            <a:schemeClr val="lt1"/>
+          </a:fontRef>
+        </p:style>
+        <p:txBody>
+          <a:bodyPr vert="eaVert" rtlCol="0" anchor="ctr"/>
+          <a:lstStyle/>
+          <a:p>
+            <a:pPr algn="ctr"/>
+            <a:r>
+              <a:rPr kumimoji="1" lang="ja-JP" altLang="en-US" sz="2000" dirty="0" smtClean="0"/>
+              <a:t>トレ</a:t>
+            </a:r>
+            <a:r>
+              <a:rPr kumimoji="1" lang="ja-JP" altLang="en-US" sz="2000" dirty="0" err="1" smtClean="0"/>
+              <a:t>ｌ</a:t>
+            </a:r>
+            <a:r>
+              <a:rPr kumimoji="1" lang="ja-JP" altLang="en-US" sz="2000" dirty="0" smtClean="0"/>
+              <a:t>ニング</a:t>
+            </a:r>
+            <a:r>
+              <a:rPr kumimoji="1" lang="ja-JP" altLang="en-US" sz="2000" dirty="0" smtClean="0"/>
+              <a:t>　第１ブロック</a:t>
+            </a:r>
+            <a:endParaRPr kumimoji="1" lang="ja-JP" altLang="en-US" sz="2000" dirty="0"/>
+          </a:p>
+        </p:txBody>
+      </p:sp>
+      <p:sp>
+        <p:nvSpPr>
+          <p:cNvPr id="7" name="角丸四角形 6"/>
+          <p:cNvSpPr/>
+          <p:nvPr/>
+        </p:nvSpPr>
+        <p:spPr>
+          <a:xfrm>
+            <a:off x="4633969" y="1256223"/>
+            <a:ext cx="706877" cy="4001311"/>
+          </a:xfrm>
+          <a:prstGeom prst="roundRect">
+            <a:avLst/>
+          </a:prstGeom>
+        </p:spPr>
+        <p:style>
+          <a:lnRef idx="2">
+            <a:schemeClr val="accent1">
+              <a:shade val="50000"/>
+            </a:schemeClr>
+          </a:lnRef>
+          <a:fillRef idx="1">
+            <a:schemeClr val="accent1"/>
+          </a:fillRef>
+          <a:effectRef idx="0">
+            <a:schemeClr val="accent1"/>
+          </a:effectRef>
+          <a:fontRef idx="minor">
+            <a:schemeClr val="lt1"/>
+          </a:fontRef>
+        </p:style>
+        <p:txBody>
+          <a:bodyPr vert="eaVert" rtlCol="0" anchor="ctr"/>
+          <a:lstStyle/>
+          <a:p>
+            <a:pPr algn="ctr"/>
+            <a:r>
+              <a:rPr kumimoji="1" lang="ja-JP" altLang="en-US" sz="2000" dirty="0" smtClean="0"/>
+              <a:t>トレ</a:t>
+            </a:r>
+            <a:r>
+              <a:rPr kumimoji="1" lang="ja-JP" altLang="en-US" sz="2000" dirty="0" err="1" smtClean="0"/>
+              <a:t>ｌ</a:t>
+            </a:r>
+            <a:r>
+              <a:rPr kumimoji="1" lang="ja-JP" altLang="en-US" sz="2000" dirty="0" smtClean="0"/>
+              <a:t>ニング</a:t>
+            </a:r>
+            <a:r>
+              <a:rPr kumimoji="1" lang="ja-JP" altLang="en-US" sz="2000" dirty="0" smtClean="0"/>
+              <a:t>　第２ブロック</a:t>
+            </a:r>
+            <a:endParaRPr kumimoji="1" lang="ja-JP" altLang="en-US" sz="2000" dirty="0"/>
+          </a:p>
+        </p:txBody>
+      </p:sp>
+      <p:sp>
+        <p:nvSpPr>
+          <p:cNvPr id="8" name="角丸四角形 7"/>
+          <p:cNvSpPr/>
+          <p:nvPr/>
+        </p:nvSpPr>
+        <p:spPr>
+          <a:xfrm>
+            <a:off x="5855391" y="1256225"/>
+            <a:ext cx="706877" cy="4001311"/>
+          </a:xfrm>
+          <a:prstGeom prst="roundRect">
+            <a:avLst/>
+          </a:prstGeom>
+        </p:spPr>
+        <p:style>
+          <a:lnRef idx="2">
+            <a:schemeClr val="accent1">
+              <a:shade val="50000"/>
+            </a:schemeClr>
+          </a:lnRef>
+          <a:fillRef idx="1">
+            <a:schemeClr val="accent1"/>
+          </a:fillRef>
+          <a:effectRef idx="0">
+            <a:schemeClr val="accent1"/>
+          </a:effectRef>
+          <a:fontRef idx="minor">
+            <a:schemeClr val="lt1"/>
+          </a:fontRef>
+        </p:style>
+        <p:txBody>
+          <a:bodyPr vert="eaVert" rtlCol="0" anchor="ctr"/>
+          <a:lstStyle/>
+          <a:p>
+            <a:pPr algn="ctr"/>
+            <a:r>
+              <a:rPr kumimoji="1" lang="ja-JP" altLang="en-US" sz="2000" dirty="0" smtClean="0"/>
+              <a:t>トレ</a:t>
+            </a:r>
+            <a:r>
+              <a:rPr kumimoji="1" lang="ja-JP" altLang="en-US" sz="2000" dirty="0" err="1" smtClean="0"/>
+              <a:t>ｌ</a:t>
+            </a:r>
+            <a:r>
+              <a:rPr kumimoji="1" lang="ja-JP" altLang="en-US" sz="2000" dirty="0" smtClean="0"/>
+              <a:t>ニング</a:t>
+            </a:r>
+            <a:r>
+              <a:rPr kumimoji="1" lang="ja-JP" altLang="en-US" sz="2000" dirty="0" smtClean="0"/>
+              <a:t>　第３ブロック</a:t>
+            </a:r>
+            <a:endParaRPr kumimoji="1" lang="ja-JP" altLang="en-US" sz="2000" dirty="0"/>
+          </a:p>
+        </p:txBody>
+      </p:sp>
+      <p:sp>
+        <p:nvSpPr>
+          <p:cNvPr id="9" name="角丸四角形 8"/>
+          <p:cNvSpPr/>
+          <p:nvPr/>
+        </p:nvSpPr>
+        <p:spPr>
+          <a:xfrm>
+            <a:off x="7076813" y="1256224"/>
+            <a:ext cx="706877" cy="4001311"/>
+          </a:xfrm>
+          <a:prstGeom prst="roundRect">
+            <a:avLst/>
+          </a:prstGeom>
+        </p:spPr>
+        <p:style>
+          <a:lnRef idx="2">
+            <a:schemeClr val="accent1">
+              <a:shade val="50000"/>
+            </a:schemeClr>
+          </a:lnRef>
+          <a:fillRef idx="1">
+            <a:schemeClr val="accent1"/>
+          </a:fillRef>
+          <a:effectRef idx="0">
+            <a:schemeClr val="accent1"/>
+          </a:effectRef>
+          <a:fontRef idx="minor">
+            <a:schemeClr val="lt1"/>
+          </a:fontRef>
+        </p:style>
+        <p:txBody>
+          <a:bodyPr vert="eaVert" rtlCol="0" anchor="ctr"/>
+          <a:lstStyle/>
+          <a:p>
+            <a:pPr algn="ctr"/>
+            <a:r>
+              <a:rPr kumimoji="1" lang="ja-JP" altLang="en-US" sz="2000" dirty="0" smtClean="0"/>
+              <a:t>トレ</a:t>
+            </a:r>
+            <a:r>
+              <a:rPr kumimoji="1" lang="ja-JP" altLang="en-US" sz="2000" dirty="0" err="1" smtClean="0"/>
+              <a:t>ｌ</a:t>
+            </a:r>
+            <a:r>
+              <a:rPr kumimoji="1" lang="ja-JP" altLang="en-US" sz="2000" dirty="0" smtClean="0"/>
+              <a:t>ニング</a:t>
+            </a:r>
+            <a:r>
+              <a:rPr kumimoji="1" lang="ja-JP" altLang="en-US" sz="2000" dirty="0" smtClean="0"/>
+              <a:t>　第４ブロック</a:t>
+            </a:r>
+            <a:endParaRPr kumimoji="1" lang="ja-JP" altLang="en-US" sz="2000" dirty="0"/>
+          </a:p>
+        </p:txBody>
+      </p:sp>
+      <p:sp>
+        <p:nvSpPr>
+          <p:cNvPr id="10" name="角丸四角形 9"/>
+          <p:cNvSpPr/>
+          <p:nvPr/>
+        </p:nvSpPr>
+        <p:spPr>
+          <a:xfrm>
+            <a:off x="8296026" y="1256223"/>
+            <a:ext cx="706877" cy="4001311"/>
+          </a:xfrm>
+          <a:prstGeom prst="roundRect">
+            <a:avLst/>
+          </a:prstGeom>
+        </p:spPr>
+        <p:style>
+          <a:lnRef idx="2">
+            <a:schemeClr val="accent1">
+              <a:shade val="50000"/>
+            </a:schemeClr>
+          </a:lnRef>
+          <a:fillRef idx="1">
+            <a:schemeClr val="accent1"/>
+          </a:fillRef>
+          <a:effectRef idx="0">
+            <a:schemeClr val="accent1"/>
+          </a:effectRef>
+          <a:fontRef idx="minor">
+            <a:schemeClr val="lt1"/>
+          </a:fontRef>
+        </p:style>
+        <p:txBody>
+          <a:bodyPr vert="eaVert" rtlCol="0" anchor="ctr"/>
+          <a:lstStyle/>
+          <a:p>
+            <a:pPr algn="ctr"/>
+            <a:r>
+              <a:rPr kumimoji="1" lang="ja-JP" altLang="en-US" sz="2000" dirty="0" smtClean="0"/>
+              <a:t>トレ</a:t>
+            </a:r>
+            <a:r>
+              <a:rPr kumimoji="1" lang="ja-JP" altLang="en-US" sz="2000" dirty="0" err="1" smtClean="0"/>
+              <a:t>ｌ</a:t>
+            </a:r>
+            <a:r>
+              <a:rPr kumimoji="1" lang="ja-JP" altLang="en-US" sz="2000" dirty="0" smtClean="0"/>
+              <a:t>ニング</a:t>
+            </a:r>
+            <a:r>
+              <a:rPr kumimoji="1" lang="ja-JP" altLang="en-US" sz="2000" dirty="0" smtClean="0"/>
+              <a:t>　第５ブロック</a:t>
+            </a:r>
+            <a:endParaRPr kumimoji="1" lang="ja-JP" altLang="en-US" sz="2000" dirty="0"/>
+          </a:p>
+        </p:txBody>
+      </p:sp>
+      <p:sp>
+        <p:nvSpPr>
+          <p:cNvPr id="11" name="右矢印 10"/>
+          <p:cNvSpPr/>
+          <p:nvPr/>
+        </p:nvSpPr>
+        <p:spPr>
+          <a:xfrm>
+            <a:off x="2753115" y="2993923"/>
+            <a:ext cx="289774" cy="302342"/>
+          </a:xfrm>
+          <a:prstGeom prst="rightArrow">
+            <a:avLst/>
+          </a:prstGeom>
+          <a:solidFill>
+            <a:schemeClr val="accent1">
+              <a:lumMod val="75000"/>
+            </a:schemeClr>
+          </a:solidFill>
+        </p:spPr>
+        <p:style>
+          <a:lnRef idx="2">
+            <a:schemeClr val="accent1">
+              <a:shade val="50000"/>
+            </a:schemeClr>
+          </a:lnRef>
+          <a:fillRef idx="1">
+            <a:schemeClr val="accent1"/>
+          </a:fillRef>
+          <a:effectRef idx="0">
+            <a:schemeClr val="accent1"/>
+          </a:effectRef>
+          <a:fontRef idx="minor">
+            <a:schemeClr val="lt1"/>
+          </a:fontRef>
+        </p:style>
+        <p:txBody>
+          <a:bodyPr rtlCol="0" anchor="ctr"/>
+          <a:lstStyle/>
+          <a:p>
+            <a:pPr algn="ctr"/>
+            <a:endParaRPr kumimoji="1" lang="ja-JP" altLang="en-US"/>
+          </a:p>
+        </p:txBody>
+      </p:sp>
+      <p:sp>
+        <p:nvSpPr>
+          <p:cNvPr id="12" name="右矢印 11"/>
+          <p:cNvSpPr/>
+          <p:nvPr/>
+        </p:nvSpPr>
+        <p:spPr>
+          <a:xfrm>
+            <a:off x="9428987" y="2993923"/>
+            <a:ext cx="289774" cy="302342"/>
+          </a:xfrm>
+          <a:prstGeom prst="rightArrow">
+            <a:avLst/>
+          </a:prstGeom>
+          <a:solidFill>
+            <a:schemeClr val="accent1">
+              <a:lumMod val="75000"/>
+            </a:schemeClr>
+          </a:solidFill>
+        </p:spPr>
+        <p:style>
+          <a:lnRef idx="2">
+            <a:schemeClr val="accent1">
+              <a:shade val="50000"/>
+            </a:schemeClr>
+          </a:lnRef>
+          <a:fillRef idx="1">
+            <a:schemeClr val="accent1"/>
+          </a:fillRef>
+          <a:effectRef idx="0">
+            <a:schemeClr val="accent1"/>
+          </a:effectRef>
+          <a:fontRef idx="minor">
+            <a:schemeClr val="lt1"/>
+          </a:fontRef>
+        </p:style>
+        <p:txBody>
+          <a:bodyPr rtlCol="0" anchor="ctr"/>
+          <a:lstStyle/>
+          <a:p>
+            <a:pPr algn="ctr"/>
+            <a:endParaRPr kumimoji="1" lang="ja-JP" altLang="en-US"/>
+          </a:p>
+        </p:txBody>
+      </p:sp>
+      <p:sp>
+        <p:nvSpPr>
+          <p:cNvPr id="14" name="右矢印 13"/>
+          <p:cNvSpPr/>
+          <p:nvPr/>
+        </p:nvSpPr>
+        <p:spPr>
+          <a:xfrm>
+            <a:off x="4262664" y="2993923"/>
+            <a:ext cx="289774" cy="302342"/>
+          </a:xfrm>
+          <a:prstGeom prst="rightArrow">
+            <a:avLst/>
+          </a:prstGeom>
+          <a:solidFill>
+            <a:schemeClr val="accent1">
+              <a:lumMod val="20000"/>
+              <a:lumOff val="80000"/>
+            </a:schemeClr>
+          </a:solidFill>
+        </p:spPr>
+        <p:style>
+          <a:lnRef idx="2">
+            <a:schemeClr val="accent1">
+              <a:shade val="50000"/>
+            </a:schemeClr>
+          </a:lnRef>
+          <a:fillRef idx="1">
+            <a:schemeClr val="accent1"/>
+          </a:fillRef>
+          <a:effectRef idx="0">
+            <a:schemeClr val="accent1"/>
+          </a:effectRef>
+          <a:fontRef idx="minor">
+            <a:schemeClr val="lt1"/>
+          </a:fontRef>
+        </p:style>
+        <p:txBody>
+          <a:bodyPr rtlCol="0" anchor="ctr"/>
+          <a:lstStyle/>
+          <a:p>
+            <a:pPr algn="ctr"/>
+            <a:endParaRPr kumimoji="1" lang="ja-JP" altLang="en-US"/>
+          </a:p>
+        </p:txBody>
+      </p:sp>
+      <p:sp>
+        <p:nvSpPr>
+          <p:cNvPr id="15" name="右矢印 14"/>
+          <p:cNvSpPr/>
+          <p:nvPr/>
+        </p:nvSpPr>
+        <p:spPr>
+          <a:xfrm>
+            <a:off x="5447326" y="2993923"/>
+            <a:ext cx="289774" cy="302342"/>
+          </a:xfrm>
+          <a:prstGeom prst="rightArrow">
+            <a:avLst/>
+          </a:prstGeom>
+          <a:solidFill>
+            <a:schemeClr val="accent1">
+              <a:lumMod val="20000"/>
+              <a:lumOff val="80000"/>
+            </a:schemeClr>
+          </a:solidFill>
+        </p:spPr>
+        <p:style>
+          <a:lnRef idx="2">
+            <a:schemeClr val="accent1">
+              <a:shade val="50000"/>
+            </a:schemeClr>
+          </a:lnRef>
+          <a:fillRef idx="1">
+            <a:schemeClr val="accent1"/>
+          </a:fillRef>
+          <a:effectRef idx="0">
+            <a:schemeClr val="accent1"/>
+          </a:effectRef>
+          <a:fontRef idx="minor">
+            <a:schemeClr val="lt1"/>
+          </a:fontRef>
+        </p:style>
+        <p:txBody>
+          <a:bodyPr rtlCol="0" anchor="ctr"/>
+          <a:lstStyle/>
+          <a:p>
+            <a:pPr algn="ctr"/>
+            <a:endParaRPr kumimoji="1" lang="ja-JP" altLang="en-US"/>
+          </a:p>
+        </p:txBody>
+      </p:sp>
+      <p:sp>
+        <p:nvSpPr>
+          <p:cNvPr id="16" name="右矢印 15"/>
+          <p:cNvSpPr/>
+          <p:nvPr/>
+        </p:nvSpPr>
+        <p:spPr>
+          <a:xfrm>
+            <a:off x="6680787" y="2993923"/>
+            <a:ext cx="289774" cy="302342"/>
+          </a:xfrm>
+          <a:prstGeom prst="rightArrow">
+            <a:avLst/>
+          </a:prstGeom>
+          <a:solidFill>
+            <a:schemeClr val="accent1">
+              <a:lumMod val="20000"/>
+              <a:lumOff val="80000"/>
+            </a:schemeClr>
+          </a:solidFill>
+        </p:spPr>
+        <p:style>
+          <a:lnRef idx="2">
+            <a:schemeClr val="accent1">
+              <a:shade val="50000"/>
+            </a:schemeClr>
+          </a:lnRef>
+          <a:fillRef idx="1">
+            <a:schemeClr val="accent1"/>
+          </a:fillRef>
+          <a:effectRef idx="0">
+            <a:schemeClr val="accent1"/>
+          </a:effectRef>
+          <a:fontRef idx="minor">
+            <a:schemeClr val="lt1"/>
+          </a:fontRef>
+        </p:style>
+        <p:txBody>
+          <a:bodyPr rtlCol="0" anchor="ctr"/>
+          <a:lstStyle/>
+          <a:p>
+            <a:pPr algn="ctr"/>
+            <a:endParaRPr kumimoji="1" lang="ja-JP" altLang="en-US"/>
+          </a:p>
+        </p:txBody>
+      </p:sp>
+      <p:sp>
+        <p:nvSpPr>
+          <p:cNvPr id="17" name="右矢印 16"/>
+          <p:cNvSpPr/>
+          <p:nvPr/>
+        </p:nvSpPr>
+        <p:spPr>
+          <a:xfrm>
+            <a:off x="7910000" y="2993923"/>
+            <a:ext cx="289774" cy="302342"/>
+          </a:xfrm>
+          <a:prstGeom prst="rightArrow">
+            <a:avLst/>
+          </a:prstGeom>
+          <a:solidFill>
+            <a:schemeClr val="accent1">
+              <a:lumMod val="20000"/>
+              <a:lumOff val="80000"/>
+            </a:schemeClr>
+          </a:solidFill>
+        </p:spPr>
+        <p:style>
+          <a:lnRef idx="2">
+            <a:schemeClr val="accent1">
+              <a:shade val="50000"/>
+            </a:schemeClr>
+          </a:lnRef>
+          <a:fillRef idx="1">
+            <a:schemeClr val="accent1"/>
+          </a:fillRef>
+          <a:effectRef idx="0">
+            <a:schemeClr val="accent1"/>
+          </a:effectRef>
+          <a:fontRef idx="minor">
+            <a:schemeClr val="lt1"/>
+          </a:fontRef>
+        </p:style>
+        <p:txBody>
+          <a:bodyPr rtlCol="0" anchor="ctr"/>
+          <a:lstStyle/>
+          <a:p>
+            <a:pPr algn="ctr"/>
+            <a:endParaRPr kumimoji="1" lang="ja-JP" altLang="en-US"/>
+          </a:p>
+        </p:txBody>
+      </p:sp>
+    </p:spTree>
+    <p:extLst>
+      <p:ext uri="{BB962C8B-B14F-4D97-AF65-F5344CB8AC3E}">
+        <p14:creationId xmlns:p14="http://schemas.microsoft.com/office/powerpoint/2010/main" val="2176574264"/>
+      </p:ext>
+    </p:extLst>
+  </p:cSld>
+  <p:clrMapOvr>
+    <a:masterClrMapping/>
+  </p:clrMapOvr>
+</p:sld>
+</file>
+
+<file path=ppt/slides/slide5.xml><?xml version="1.0" encoding="utf-8"?>
 <p:sld xmlns:a="http://schemas.openxmlformats.org/drawingml/2006/main" xmlns:r="http://schemas.openxmlformats.org/officeDocument/2006/relationships" xmlns:p="http://schemas.openxmlformats.org/presentationml/2006/main">
   <p:cSld>
     <p:bg>
